--- a/ppt/ADP_OCPP_Final_0501.pptx
+++ b/ppt/ADP_OCPP_Final_0501.pptx
@@ -42,7 +42,7 @@
         <p:spPr>
           <a:xfrm>
             <a:off x="456840" y="549000"/>
-            <a:ext cx="7311240" cy="910440"/>
+            <a:ext cx="7310880" cy="910080"/>
           </a:xfrm>
           <a:prstGeom prst="rect">
             <a:avLst/>
@@ -83,7 +83,7 @@
         <p:spPr>
           <a:xfrm>
             <a:off x="456840" y="1828440"/>
-            <a:ext cx="9140040" cy="4568040"/>
+            <a:ext cx="9139680" cy="4567680"/>
           </a:xfrm>
           <a:prstGeom prst="rect">
             <a:avLst/>
@@ -151,8 +151,8 @@
         </p:nvSpPr>
         <p:spPr>
           <a:xfrm flipV="1">
-            <a:off x="236520" y="204480"/>
-            <a:ext cx="9540000" cy="153360"/>
+            <a:off x="236520" y="203400"/>
+            <a:ext cx="9539640" cy="153000"/>
           </a:xfrm>
           <a:prstGeom prst="rect">
             <a:avLst/>
@@ -211,8 +211,8 @@
         </p:nvSpPr>
         <p:spPr>
           <a:xfrm>
-            <a:off x="6703560" y="7078680"/>
-            <a:ext cx="694440" cy="256320"/>
+            <a:off x="5943600" y="7077600"/>
+            <a:ext cx="694080" cy="255960"/>
           </a:xfrm>
           <a:prstGeom prst="rect">
             <a:avLst/>
@@ -247,7 +247,7 @@
                 <a:tab algn="l" pos="0"/>
               </a:tabLst>
             </a:pPr>
-            <a:fld id="{DE7B2DA1-12C3-4086-BFEA-ABBBC8034379}" type="slidenum">
+            <a:fld id="{67131558-D2B7-4DF1-A045-E7E553D91807}" type="slidenum">
               <a:rPr b="0" lang="en-US" sz="1200" strike="noStrike" u="none">
                 <a:solidFill>
                   <a:srgbClr val="000000"/>
@@ -256,7 +256,7 @@
                 <a:latin typeface="Arial"/>
                 <a:ea typeface="DejaVu Sans"/>
               </a:rPr>
-              <a:t>1</a:t>
+              <a:t>&lt;编号&gt;</a:t>
             </a:fld>
             <a:endParaRPr b="0" lang="en-US" sz="1200" strike="noStrike" u="none">
               <a:solidFill>
@@ -367,7 +367,7 @@
         <p:spPr>
           <a:xfrm>
             <a:off x="7365960" y="7116840"/>
-            <a:ext cx="2358360" cy="378720"/>
+            <a:ext cx="2358000" cy="378360"/>
           </a:xfrm>
           <a:prstGeom prst="rect">
             <a:avLst/>
@@ -390,7 +390,7 @@
         <p:spPr>
           <a:xfrm>
             <a:off x="7845480" y="541440"/>
-            <a:ext cx="2220120" cy="916920"/>
+            <a:ext cx="2219760" cy="916560"/>
           </a:xfrm>
           <a:prstGeom prst="rect">
             <a:avLst/>
@@ -409,7 +409,7 @@
         <p:spPr>
           <a:xfrm>
             <a:off x="260280" y="7078680"/>
-            <a:ext cx="1083600" cy="266040"/>
+            <a:ext cx="1083240" cy="265680"/>
           </a:xfrm>
           <a:prstGeom prst="rect">
             <a:avLst/>
@@ -498,7 +498,7 @@
         <p:spPr>
           <a:xfrm>
             <a:off x="1158840" y="7078680"/>
-            <a:ext cx="3625200" cy="435960"/>
+            <a:ext cx="3624840" cy="435600"/>
           </a:xfrm>
           <a:prstGeom prst="rect">
             <a:avLst/>
@@ -524,7 +524,85 @@
                 <a:spcPct val="100000"/>
               </a:lnSpc>
               <a:spcBef>
-                <a:spcPts val="74"/>
+                <a:spcPts val="1191"/>
+              </a:spcBef>
+              <a:spcAft>
+                <a:spcPts val="992"/>
+              </a:spcAft>
+              <a:tabLst>
+                <a:tab algn="l" pos="0"/>
+                <a:tab algn="l" pos="914400"/>
+                <a:tab algn="l" pos="1828800"/>
+                <a:tab algn="l" pos="2743200"/>
+                <a:tab algn="l" pos="3657600"/>
+                <a:tab algn="l" pos="4572000"/>
+                <a:tab algn="l" pos="5486400"/>
+                <a:tab algn="l" pos="6400800"/>
+                <a:tab algn="l" pos="7315200"/>
+                <a:tab algn="l" pos="8229600"/>
+                <a:tab algn="l" pos="9144000"/>
+                <a:tab algn="l" pos="10058400"/>
+                <a:tab algn="l" pos="10333080"/>
+                <a:tab algn="l" pos="10782360"/>
+              </a:tabLst>
+            </a:pPr>
+            <a:r>
+              <a:rPr b="0" lang="en-US" sz="1200" strike="noStrike" u="none">
+                <a:solidFill>
+                  <a:srgbClr val="000000"/>
+                </a:solidFill>
+                <a:uFillTx/>
+                <a:latin typeface="Arial"/>
+                <a:ea typeface="DejaVu Sans"/>
+              </a:rPr>
+              <a:t>Charging Station Upgrade to OCPP Communication for Smart Charging </a:t>
+            </a:r>
+            <a:endParaRPr b="0" lang="en-US" sz="1200" strike="noStrike" u="none">
+              <a:solidFill>
+                <a:srgbClr val="000000"/>
+              </a:solidFill>
+              <a:uFillTx/>
+              <a:latin typeface="Arial"/>
+            </a:endParaRPr>
+          </a:p>
+        </p:txBody>
+      </p:sp>
+      <p:sp>
+        <p:nvSpPr>
+          <p:cNvPr id="8" name=""/>
+          <p:cNvSpPr/>
+          <p:nvPr/>
+        </p:nvSpPr>
+        <p:spPr>
+          <a:xfrm>
+            <a:off x="3620880" y="7077600"/>
+            <a:ext cx="1972440" cy="417960"/>
+          </a:xfrm>
+          <a:prstGeom prst="rect">
+            <a:avLst/>
+          </a:prstGeom>
+          <a:noFill/>
+          <a:ln w="0">
+            <a:noFill/>
+          </a:ln>
+        </p:spPr>
+        <p:style>
+          <a:lnRef idx="0"/>
+          <a:fillRef idx="0"/>
+          <a:effectRef idx="0"/>
+          <a:fontRef idx="minor"/>
+        </p:style>
+        <p:txBody>
+          <a:bodyPr wrap="none" lIns="90000" rIns="90000" tIns="45000" bIns="45000" anchor="t">
+            <a:noAutofit/>
+          </a:bodyPr>
+          <a:p>
+            <a:pPr>
+              <a:lnSpc>
+                <a:spcPct val="100000"/>
+              </a:lnSpc>
+              <a:spcBef>
+                <a:spcPts val="26"/>
               </a:spcBef>
               <a:spcAft>
                 <a:spcPts val="26"/>
@@ -555,7 +633,7 @@
                 <a:latin typeface="Arial"/>
                 <a:ea typeface="DejaVu Sans"/>
               </a:rPr>
-              <a:t>Ladesäulen-Aufrüstung auf OCPP-Kommunikation </a:t>
+              <a:t>| Junfan Jin, Can Zeng, </a:t>
             </a:r>
             <a:endParaRPr b="0" lang="en-US" sz="1200" strike="noStrike" u="none">
               <a:solidFill>
@@ -571,7 +649,7 @@
                 <a:spcPct val="100000"/>
               </a:lnSpc>
               <a:spcBef>
-                <a:spcPts val="74"/>
+                <a:spcPts val="26"/>
               </a:spcBef>
               <a:spcAft>
                 <a:spcPts val="26"/>
@@ -602,131 +680,6 @@
                 <a:latin typeface="Arial"/>
                 <a:ea typeface="DejaVu Sans"/>
               </a:rPr>
-              <a:t>für Intelligentes Laden</a:t>
-            </a:r>
-            <a:endParaRPr b="0" lang="en-US" sz="1200" strike="noStrike" u="none">
-              <a:solidFill>
-                <a:srgbClr val="000000"/>
-              </a:solidFill>
-              <a:uFillTx/>
-              <a:latin typeface="Arial"/>
-            </a:endParaRPr>
-          </a:p>
-        </p:txBody>
-      </p:sp>
-      <p:sp>
-        <p:nvSpPr>
-          <p:cNvPr id="8" name=""/>
-          <p:cNvSpPr/>
-          <p:nvPr/>
-        </p:nvSpPr>
-        <p:spPr>
-          <a:xfrm>
-            <a:off x="4619520" y="7078680"/>
-            <a:ext cx="1972800" cy="418320"/>
-          </a:xfrm>
-          <a:prstGeom prst="rect">
-            <a:avLst/>
-          </a:prstGeom>
-          <a:noFill/>
-          <a:ln w="0">
-            <a:noFill/>
-          </a:ln>
-        </p:spPr>
-        <p:style>
-          <a:lnRef idx="0"/>
-          <a:fillRef idx="0"/>
-          <a:effectRef idx="0"/>
-          <a:fontRef idx="minor"/>
-        </p:style>
-        <p:txBody>
-          <a:bodyPr wrap="none" lIns="90000" rIns="90000" tIns="45000" bIns="45000" anchor="t">
-            <a:noAutofit/>
-          </a:bodyPr>
-          <a:p>
-            <a:pPr>
-              <a:lnSpc>
-                <a:spcPct val="100000"/>
-              </a:lnSpc>
-              <a:spcBef>
-                <a:spcPts val="26"/>
-              </a:spcBef>
-              <a:spcAft>
-                <a:spcPts val="26"/>
-              </a:spcAft>
-              <a:tabLst>
-                <a:tab algn="l" pos="0"/>
-                <a:tab algn="l" pos="914400"/>
-                <a:tab algn="l" pos="1828800"/>
-                <a:tab algn="l" pos="2743200"/>
-                <a:tab algn="l" pos="3657600"/>
-                <a:tab algn="l" pos="4572000"/>
-                <a:tab algn="l" pos="5486400"/>
-                <a:tab algn="l" pos="6400800"/>
-                <a:tab algn="l" pos="7315200"/>
-                <a:tab algn="l" pos="8229600"/>
-                <a:tab algn="l" pos="9144000"/>
-                <a:tab algn="l" pos="10058400"/>
-                <a:tab algn="l" pos="10333080"/>
-                <a:tab algn="l" pos="10782360"/>
-              </a:tabLst>
-            </a:pPr>
-            <a:r>
-              <a:rPr b="0" lang="en-US" sz="1200" strike="noStrike" u="none">
-                <a:solidFill>
-                  <a:srgbClr val="000000"/>
-                </a:solidFill>
-                <a:uFillTx/>
-                <a:latin typeface="Arial"/>
-                <a:ea typeface="DejaVu Sans"/>
-              </a:rPr>
-              <a:t>| Junfan Jin, Can Zeng, </a:t>
-            </a:r>
-            <a:endParaRPr b="0" lang="en-US" sz="1200" strike="noStrike" u="none">
-              <a:solidFill>
-                <a:srgbClr val="000000"/>
-              </a:solidFill>
-              <a:uFillTx/>
-              <a:latin typeface="Arial"/>
-            </a:endParaRPr>
-          </a:p>
-          <a:p>
-            <a:pPr>
-              <a:lnSpc>
-                <a:spcPct val="100000"/>
-              </a:lnSpc>
-              <a:spcBef>
-                <a:spcPts val="26"/>
-              </a:spcBef>
-              <a:spcAft>
-                <a:spcPts val="26"/>
-              </a:spcAft>
-              <a:tabLst>
-                <a:tab algn="l" pos="0"/>
-                <a:tab algn="l" pos="914400"/>
-                <a:tab algn="l" pos="1828800"/>
-                <a:tab algn="l" pos="2743200"/>
-                <a:tab algn="l" pos="3657600"/>
-                <a:tab algn="l" pos="4572000"/>
-                <a:tab algn="l" pos="5486400"/>
-                <a:tab algn="l" pos="6400800"/>
-                <a:tab algn="l" pos="7315200"/>
-                <a:tab algn="l" pos="8229600"/>
-                <a:tab algn="l" pos="9144000"/>
-                <a:tab algn="l" pos="10058400"/>
-                <a:tab algn="l" pos="10333080"/>
-                <a:tab algn="l" pos="10782360"/>
-              </a:tabLst>
-            </a:pPr>
-            <a:r>
-              <a:rPr b="0" lang="en-US" sz="1200" strike="noStrike" u="none">
-                <a:solidFill>
-                  <a:srgbClr val="000000"/>
-                </a:solidFill>
-                <a:uFillTx/>
-                <a:latin typeface="Arial"/>
-                <a:ea typeface="DejaVu Sans"/>
-              </a:rPr>
               <a:t>  </a:t>
             </a:r>
             <a:r>
@@ -806,7 +759,7 @@
         <p:spPr>
           <a:xfrm>
             <a:off x="456840" y="549000"/>
-            <a:ext cx="7311240" cy="910440"/>
+            <a:ext cx="7310880" cy="910080"/>
           </a:xfrm>
           <a:prstGeom prst="rect">
             <a:avLst/>
@@ -857,7 +810,7 @@
         <p:spPr>
           <a:xfrm>
             <a:off x="456840" y="1828440"/>
-            <a:ext cx="9140040" cy="4568040"/>
+            <a:ext cx="9139680" cy="4567680"/>
           </a:xfrm>
           <a:prstGeom prst="rect">
             <a:avLst/>
@@ -1122,7 +1075,7 @@
         <p:spPr>
           <a:xfrm>
             <a:off x="382680" y="541440"/>
-            <a:ext cx="7470000" cy="943920"/>
+            <a:ext cx="7469640" cy="943560"/>
           </a:xfrm>
           <a:prstGeom prst="rect">
             <a:avLst/>
@@ -1163,7 +1116,7 @@
         <p:spPr>
           <a:xfrm>
             <a:off x="334440" y="1731600"/>
-            <a:ext cx="9378360" cy="5187240"/>
+            <a:ext cx="9378000" cy="5186880"/>
           </a:xfrm>
           <a:prstGeom prst="rect">
             <a:avLst/>
